--- a/NYC Airbnb Analysis Presentation .pptx
+++ b/NYC Airbnb Analysis Presentation .pptx
@@ -870,7 +870,7 @@
           <a:p>
             <a:r>
               <a:rPr lang="en-US" dirty="0"/>
-              <a:t>The aim of this analysis is to answer the following questions: </a:t>
+              <a:t>The aim of our project’s analysis is to answer the following questions: </a:t>
             </a:r>
           </a:p>
           <a:p>
@@ -939,7 +939,7 @@
             </a:pPr>
             <a:r>
               <a:rPr lang="en-US" sz="1200" dirty="0"/>
-              <a:t>Do these property type availability vary by neighbourhood?</a:t>
+              <a:t>Does property type availability vary by neighbourhood?</a:t>
             </a:r>
           </a:p>
           <a:p>
@@ -5255,7 +5255,7 @@
               <a:rPr lang="en-US" sz="3600" dirty="0">
                 <a:latin typeface="+mj-lt"/>
               </a:rPr>
-              <a:t>Exploratory Data Analysis and Visualization of New York City Airbnb Properties</a:t>
+              <a:t>Exploratory Data Analysis and Visualization of New York City Airbnb Listings – 02/11/21</a:t>
             </a:r>
             <a:endParaRPr lang="en-US" dirty="0"/>
           </a:p>
@@ -5304,7 +5304,7 @@
         <p:spPr>
           <a:xfrm>
             <a:off x="4411824" y="5276184"/>
-            <a:ext cx="7938674" cy="923330"/>
+            <a:ext cx="7938674" cy="1200329"/>
           </a:xfrm>
           <a:prstGeom prst="rect">
             <a:avLst/>
@@ -5341,6 +5341,9 @@
               <a:rPr lang="en-US" i="1" dirty="0" err="1"/>
               <a:t>Beachey</a:t>
             </a:r>
+            <a:endParaRPr lang="en-US" i="1" dirty="0"/>
+          </a:p>
+          <a:p>
             <a:endParaRPr lang="en-US" i="1" dirty="0"/>
           </a:p>
           <a:p>
@@ -6321,7 +6324,7 @@
         <p:spPr>
           <a:xfrm>
             <a:off x="67387" y="1328803"/>
-            <a:ext cx="12057225" cy="5847755"/>
+            <a:ext cx="12057225" cy="5416868"/>
           </a:xfrm>
           <a:prstGeom prst="rect">
             <a:avLst/>
@@ -6393,7 +6396,7 @@
               <a:rPr lang="en-US" sz="2800" dirty="0">
                 <a:latin typeface="+mj-lt"/>
               </a:rPr>
-              <a:t>New York City (NYC) is one of the most visited tourist attractions in the world, a major center of the entertainment industry, and the world’s leading financial center. </a:t>
+              <a:t>New York City (NYC) is one of the most visited tourist attractions globally, a major center of the entertainment industry, and the world’s leading financial center. </a:t>
             </a:r>
           </a:p>
           <a:p>

--- a/NYC Airbnb Analysis Presentation .pptx
+++ b/NYC Airbnb Analysis Presentation .pptx
@@ -1355,7 +1355,10 @@
           <a:bodyPr/>
           <a:lstStyle/>
           <a:p>
-            <a:endParaRPr lang="en-US" dirty="0"/>
+            <a:r>
+              <a:rPr lang="en-US" dirty="0"/>
+              <a:t>r</a:t>
+            </a:r>
           </a:p>
         </p:txBody>
       </p:sp>
@@ -1530,34 +1533,21 @@
             </a:r>
           </a:p>
           <a:p>
-            <a:r>
-              <a:rPr lang="en-CA" sz="1200" b="0" i="0" kern="1200" dirty="0">
-                <a:solidFill>
-                  <a:schemeClr val="tx1"/>
-                </a:solidFill>
-                <a:effectLst/>
-                <a:latin typeface="+mn-lt"/>
-                <a:ea typeface="+mn-ea"/>
-                <a:cs typeface="+mn-cs"/>
-              </a:rPr>
-              <a:t>(Give brief overview of columns/rows we began with </a:t>
-            </a:r>
-            <a:r>
-              <a:rPr lang="en-CA" sz="1200" b="0" i="0" kern="1200" dirty="0">
-                <a:solidFill>
-                  <a:schemeClr val="tx1"/>
-                </a:solidFill>
-                <a:effectLst/>
-                <a:latin typeface="+mn-lt"/>
-                <a:ea typeface="+mn-ea"/>
-                <a:cs typeface="+mn-cs"/>
-                <a:sym typeface="Wingdings" pitchFamily="2" charset="2"/>
-              </a:rPr>
-              <a:t> Final result of Listings Cleaned</a:t>
-            </a:r>
-          </a:p>
-          <a:p>
             <a:endParaRPr lang="en-US" dirty="0"/>
+          </a:p>
+          <a:p>
+            <a:r>
+              <a:rPr lang="en-US" dirty="0"/>
+              <a:t>Ratings </a:t>
+            </a:r>
+            <a:r>
+              <a:rPr lang="en-US" dirty="0" err="1"/>
+              <a:t>techinque</a:t>
+            </a:r>
+            <a:r>
+              <a:rPr lang="en-US" dirty="0"/>
+              <a:t> – used Super Host and Number of Reviews.</a:t>
+            </a:r>
           </a:p>
         </p:txBody>
       </p:sp>
@@ -1681,8 +1671,31 @@
                 <a:cs typeface="+mn-cs"/>
                 <a:sym typeface="Wingdings" pitchFamily="2" charset="2"/>
               </a:rPr>
-              <a:t> Final result of Listings Cleaned</a:t>
-            </a:r>
+              <a:t> Final result of </a:t>
+            </a:r>
+            <a:r>
+              <a:rPr lang="en-CA" sz="1200" b="0" i="0" kern="1200">
+                <a:solidFill>
+                  <a:schemeClr val="tx1"/>
+                </a:solidFill>
+                <a:effectLst/>
+                <a:latin typeface="+mn-lt"/>
+                <a:ea typeface="+mn-ea"/>
+                <a:cs typeface="+mn-cs"/>
+                <a:sym typeface="Wingdings" pitchFamily="2" charset="2"/>
+              </a:rPr>
+              <a:t>Listings Cleaned)</a:t>
+            </a:r>
+            <a:endParaRPr lang="en-CA" sz="1200" b="0" i="0" kern="1200" dirty="0">
+              <a:solidFill>
+                <a:schemeClr val="tx1"/>
+              </a:solidFill>
+              <a:effectLst/>
+              <a:latin typeface="+mn-lt"/>
+              <a:ea typeface="+mn-ea"/>
+              <a:cs typeface="+mn-cs"/>
+              <a:sym typeface="Wingdings" pitchFamily="2" charset="2"/>
+            </a:endParaRPr>
           </a:p>
           <a:p>
             <a:endParaRPr lang="en-US" dirty="0"/>
@@ -7932,7 +7945,7 @@
         <p:spPr>
           <a:xfrm>
             <a:off x="391886" y="2022037"/>
-            <a:ext cx="9971314" cy="3016210"/>
+            <a:ext cx="9971314" cy="3816429"/>
           </a:xfrm>
           <a:prstGeom prst="rect">
             <a:avLst/>
@@ -7950,7 +7963,7 @@
               <a:buChar char="•"/>
             </a:pPr>
             <a:r>
-              <a:rPr lang="en-US" sz="2400" dirty="0">
+              <a:rPr lang="en-US" sz="2000" dirty="0">
                 <a:highlight>
                   <a:srgbClr val="C0C0C0"/>
                 </a:highlight>
@@ -7959,10 +7972,16 @@
               <a:t>price</a:t>
             </a:r>
             <a:r>
+              <a:rPr lang="en-US" sz="2000" dirty="0">
+                <a:latin typeface="+mj-lt"/>
+              </a:rPr>
+              <a:t>  </a:t>
+            </a:r>
+            <a:r>
               <a:rPr lang="en-US" dirty="0">
                 <a:latin typeface="+mj-lt"/>
               </a:rPr>
-              <a:t>  : </a:t>
+              <a:t>: </a:t>
             </a:r>
             <a:r>
               <a:rPr lang="en-US" sz="2000" dirty="0">
@@ -7986,7 +8005,7 @@
               <a:buChar char="•"/>
             </a:pPr>
             <a:r>
-              <a:rPr lang="en-CA" sz="2400" dirty="0">
+              <a:rPr lang="en-CA" sz="2000" dirty="0">
                 <a:highlight>
                   <a:srgbClr val="C0C0C0"/>
                 </a:highlight>
@@ -7995,7 +8014,7 @@
               <a:t>rating(listings</a:t>
             </a:r>
             <a:r>
-              <a:rPr lang="en-CA" sz="2400" dirty="0">
+              <a:rPr lang="en-CA" sz="2000" dirty="0">
                 <a:latin typeface="+mj-lt"/>
               </a:rPr>
               <a:t>) </a:t>
@@ -8010,7 +8029,7 @@
               <a:rPr lang="en-CA" sz="2000" dirty="0">
                 <a:latin typeface="+mj-lt"/>
               </a:rPr>
-              <a:t>There are several ratings that hosts receive including ‘location rating’, ‘cleanliness rating’ and ‘overall rating’. (Which did we choose??)</a:t>
+              <a:t>There are several ratings that hosts receive including ‘location rating’, ‘cleanliness rating’ and ‘overall rating’. </a:t>
             </a:r>
           </a:p>
           <a:p>
@@ -8024,25 +8043,76 @@
               <a:buChar char="•"/>
             </a:pPr>
             <a:r>
-              <a:rPr lang="en-CA" sz="2400" dirty="0">
+              <a:rPr lang="en-CA" sz="2000" dirty="0">
                 <a:highlight>
                   <a:srgbClr val="C0C0C0"/>
                 </a:highlight>
                 <a:latin typeface="+mj-lt"/>
               </a:rPr>
-              <a:t>availability</a:t>
-            </a:r>
-            <a:r>
-              <a:rPr lang="en-CA" sz="2400" dirty="0">
+              <a:t>availability  </a:t>
+            </a:r>
+            <a:endParaRPr lang="en-CA" sz="2000" dirty="0">
+              <a:latin typeface="+mj-lt"/>
+            </a:endParaRPr>
+          </a:p>
+          <a:p>
+            <a:pPr marL="342900" indent="-342900">
+              <a:buFont typeface="Arial" panose="020B0604020202020204" pitchFamily="34" charset="0"/>
+              <a:buChar char="•"/>
+            </a:pPr>
+            <a:endParaRPr lang="en-CA" sz="2000" dirty="0">
+              <a:latin typeface="+mj-lt"/>
+            </a:endParaRPr>
+          </a:p>
+          <a:p>
+            <a:pPr marL="342900" indent="-342900">
+              <a:buFont typeface="Arial" panose="020B0604020202020204" pitchFamily="34" charset="0"/>
+              <a:buChar char="•"/>
+            </a:pPr>
+            <a:r>
+              <a:rPr lang="en-CA" sz="2400" dirty="0" err="1">
+                <a:highlight>
+                  <a:srgbClr val="C0C0C0"/>
+                </a:highlight>
                 <a:latin typeface="+mj-lt"/>
               </a:rPr>
-              <a:t> </a:t>
+              <a:t>host_is_superhost</a:t>
             </a:r>
             <a:r>
               <a:rPr lang="en-CA" sz="2000" dirty="0">
                 <a:latin typeface="+mj-lt"/>
               </a:rPr>
-              <a:t>  :</a:t>
+              <a:t>, </a:t>
+            </a:r>
+            <a:r>
+              <a:rPr lang="en-CA" sz="2000" dirty="0" err="1">
+                <a:highlight>
+                  <a:srgbClr val="C0C0C0"/>
+                </a:highlight>
+                <a:latin typeface="+mj-lt"/>
+              </a:rPr>
+              <a:t>host_identity_verified</a:t>
+            </a:r>
+            <a:r>
+              <a:rPr lang="en-CA" sz="2000" dirty="0">
+                <a:latin typeface="+mj-lt"/>
+              </a:rPr>
+              <a:t>, </a:t>
+            </a:r>
+            <a:r>
+              <a:rPr lang="en-CA" sz="2000" dirty="0" err="1">
+                <a:highlight>
+                  <a:srgbClr val="C0C0C0"/>
+                </a:highlight>
+                <a:latin typeface="+mj-lt"/>
+              </a:rPr>
+              <a:t>instant_bookable</a:t>
+            </a:r>
+            <a:r>
+              <a:rPr lang="en-CA" sz="2000" dirty="0">
+                <a:latin typeface="+mj-lt"/>
+              </a:rPr>
+              <a:t>: Contained string format of ‘t’ and ‘f’</a:t>
             </a:r>
           </a:p>
           <a:p>
@@ -8250,7 +8320,7 @@
               <a:rPr lang="en-CA" dirty="0">
                 <a:latin typeface="+mj-lt"/>
               </a:rPr>
-              <a:t>***Values in columns comprised of percentages, integers, and var char string. Data were standardized and transformed to a similar scale.</a:t>
+              <a:t>Values in columns comprised of percentages, integers, and var char string. Data were standardized and transformed to a similar scale.</a:t>
             </a:r>
             <a:endParaRPr lang="en-US" dirty="0">
               <a:latin typeface="+mj-lt"/>
